--- a/ApiLamdbaAutorizer/ApiLambdaAutorizer.pptx
+++ b/ApiLamdbaAutorizer/ApiLambdaAutorizer.pptx
@@ -6,6 +6,7 @@
   </p:sldMasterIdLst>
   <p:sldIdLst>
     <p:sldId id="257" r:id="rId2"/>
+    <p:sldId id="258" r:id="rId3"/>
   </p:sldIdLst>
   <p:sldSz cx="12192000" cy="6858000"/>
   <p:notesSz cx="6858000" cy="9144000"/>
@@ -243,7 +244,7 @@
           <a:p>
             <a:fld id="{825DAD22-5312-4544-A00D-D41072C0DE60}" type="datetimeFigureOut">
               <a:rPr lang="en-US" smtClean="0"/>
-              <a:t>9/29/2022</a:t>
+              <a:t>9/30/2022</a:t>
             </a:fld>
             <a:endParaRPr lang="en-US"/>
           </a:p>
@@ -413,7 +414,7 @@
           <a:p>
             <a:fld id="{825DAD22-5312-4544-A00D-D41072C0DE60}" type="datetimeFigureOut">
               <a:rPr lang="en-US" smtClean="0"/>
-              <a:t>9/29/2022</a:t>
+              <a:t>9/30/2022</a:t>
             </a:fld>
             <a:endParaRPr lang="en-US"/>
           </a:p>
@@ -593,7 +594,7 @@
           <a:p>
             <a:fld id="{825DAD22-5312-4544-A00D-D41072C0DE60}" type="datetimeFigureOut">
               <a:rPr lang="en-US" smtClean="0"/>
-              <a:t>9/29/2022</a:t>
+              <a:t>9/30/2022</a:t>
             </a:fld>
             <a:endParaRPr lang="en-US"/>
           </a:p>
@@ -763,7 +764,7 @@
           <a:p>
             <a:fld id="{825DAD22-5312-4544-A00D-D41072C0DE60}" type="datetimeFigureOut">
               <a:rPr lang="en-US" smtClean="0"/>
-              <a:t>9/29/2022</a:t>
+              <a:t>9/30/2022</a:t>
             </a:fld>
             <a:endParaRPr lang="en-US"/>
           </a:p>
@@ -1009,7 +1010,7 @@
           <a:p>
             <a:fld id="{825DAD22-5312-4544-A00D-D41072C0DE60}" type="datetimeFigureOut">
               <a:rPr lang="en-US" smtClean="0"/>
-              <a:t>9/29/2022</a:t>
+              <a:t>9/30/2022</a:t>
             </a:fld>
             <a:endParaRPr lang="en-US"/>
           </a:p>
@@ -1241,7 +1242,7 @@
           <a:p>
             <a:fld id="{825DAD22-5312-4544-A00D-D41072C0DE60}" type="datetimeFigureOut">
               <a:rPr lang="en-US" smtClean="0"/>
-              <a:t>9/29/2022</a:t>
+              <a:t>9/30/2022</a:t>
             </a:fld>
             <a:endParaRPr lang="en-US"/>
           </a:p>
@@ -1608,7 +1609,7 @@
           <a:p>
             <a:fld id="{825DAD22-5312-4544-A00D-D41072C0DE60}" type="datetimeFigureOut">
               <a:rPr lang="en-US" smtClean="0"/>
-              <a:t>9/29/2022</a:t>
+              <a:t>9/30/2022</a:t>
             </a:fld>
             <a:endParaRPr lang="en-US"/>
           </a:p>
@@ -1726,7 +1727,7 @@
           <a:p>
             <a:fld id="{825DAD22-5312-4544-A00D-D41072C0DE60}" type="datetimeFigureOut">
               <a:rPr lang="en-US" smtClean="0"/>
-              <a:t>9/29/2022</a:t>
+              <a:t>9/30/2022</a:t>
             </a:fld>
             <a:endParaRPr lang="en-US"/>
           </a:p>
@@ -1821,7 +1822,7 @@
           <a:p>
             <a:fld id="{825DAD22-5312-4544-A00D-D41072C0DE60}" type="datetimeFigureOut">
               <a:rPr lang="en-US" smtClean="0"/>
-              <a:t>9/29/2022</a:t>
+              <a:t>9/30/2022</a:t>
             </a:fld>
             <a:endParaRPr lang="en-US"/>
           </a:p>
@@ -2098,7 +2099,7 @@
           <a:p>
             <a:fld id="{825DAD22-5312-4544-A00D-D41072C0DE60}" type="datetimeFigureOut">
               <a:rPr lang="en-US" smtClean="0"/>
-              <a:t>9/29/2022</a:t>
+              <a:t>9/30/2022</a:t>
             </a:fld>
             <a:endParaRPr lang="en-US"/>
           </a:p>
@@ -2351,7 +2352,7 @@
           <a:p>
             <a:fld id="{825DAD22-5312-4544-A00D-D41072C0DE60}" type="datetimeFigureOut">
               <a:rPr lang="en-US" smtClean="0"/>
-              <a:t>9/29/2022</a:t>
+              <a:t>9/30/2022</a:t>
             </a:fld>
             <a:endParaRPr lang="en-US"/>
           </a:p>
@@ -2564,7 +2565,7 @@
           <a:p>
             <a:fld id="{825DAD22-5312-4544-A00D-D41072C0DE60}" type="datetimeFigureOut">
               <a:rPr lang="en-US" smtClean="0"/>
-              <a:t>9/29/2022</a:t>
+              <a:t>9/30/2022</a:t>
             </a:fld>
             <a:endParaRPr lang="en-US"/>
           </a:p>
@@ -2969,10 +2970,120 @@
           <a:chExt cx="0" cy="0"/>
         </a:xfrm>
       </p:grpSpPr>
+      <p:sp>
+        <p:nvSpPr>
+          <p:cNvPr id="2" name="Rectángulo 1"/>
+          <p:cNvSpPr/>
+          <p:nvPr/>
+        </p:nvSpPr>
+        <p:spPr>
+          <a:xfrm>
+            <a:off x="0" y="196381"/>
+            <a:ext cx="12028516" cy="369332"/>
+          </a:xfrm>
+          <a:prstGeom prst="rect">
+            <a:avLst/>
+          </a:prstGeom>
+        </p:spPr>
+        <p:txBody>
+          <a:bodyPr wrap="square">
+            <a:spAutoFit/>
+          </a:bodyPr>
+          <a:lstStyle/>
+          <a:p>
+            <a:r>
+              <a:rPr lang="en-US" dirty="0"/>
+              <a:t>https://registry.terraform.io/providers/hashicorp/aws/latest/docs/resources/api_gateway_rest_api</a:t>
+            </a:r>
+          </a:p>
+        </p:txBody>
+      </p:sp>
+      <p:pic>
+        <p:nvPicPr>
+          <p:cNvPr id="3" name="Imagen 2"/>
+          <p:cNvPicPr>
+            <a:picLocks noChangeAspect="1"/>
+          </p:cNvPicPr>
+          <p:nvPr/>
+        </p:nvPicPr>
+        <p:blipFill>
+          <a:blip r:embed="rId2"/>
+          <a:stretch>
+            <a:fillRect/>
+          </a:stretch>
+        </p:blipFill>
+        <p:spPr>
+          <a:xfrm>
+            <a:off x="203199" y="932843"/>
+            <a:ext cx="11261725" cy="2392969"/>
+          </a:xfrm>
+          <a:prstGeom prst="rect">
+            <a:avLst/>
+          </a:prstGeom>
+        </p:spPr>
+      </p:pic>
+      <p:sp>
+        <p:nvSpPr>
+          <p:cNvPr id="4" name="Rectángulo 3"/>
+          <p:cNvSpPr/>
+          <p:nvPr/>
+        </p:nvSpPr>
+        <p:spPr>
+          <a:xfrm>
+            <a:off x="203199" y="522395"/>
+            <a:ext cx="10485120" cy="369332"/>
+          </a:xfrm>
+          <a:prstGeom prst="rect">
+            <a:avLst/>
+          </a:prstGeom>
+        </p:spPr>
+        <p:txBody>
+          <a:bodyPr wrap="square">
+            <a:spAutoFit/>
+          </a:bodyPr>
+          <a:lstStyle/>
+          <a:p>
+            <a:r>
+              <a:rPr lang="en-US" dirty="0"/>
+              <a:t>https://docs.aws.amazon.com/apigateway/latest/developerguide/apigateway-use-lambda-authorizer.html</a:t>
+            </a:r>
+          </a:p>
+        </p:txBody>
+      </p:sp>
     </p:spTree>
     <p:extLst>
       <p:ext uri="{BB962C8B-B14F-4D97-AF65-F5344CB8AC3E}">
         <p14:creationId xmlns:p14="http://schemas.microsoft.com/office/powerpoint/2010/main" val="62089740"/>
+      </p:ext>
+    </p:extLst>
+  </p:cSld>
+  <p:clrMapOvr>
+    <a:masterClrMapping/>
+  </p:clrMapOvr>
+</p:sld>
+</file>
+
+<file path=ppt/slides/slide2.xml><?xml version="1.0" encoding="utf-8"?>
+<p:sld xmlns:a="http://schemas.openxmlformats.org/drawingml/2006/main" xmlns:r="http://schemas.openxmlformats.org/officeDocument/2006/relationships" xmlns:p="http://schemas.openxmlformats.org/presentationml/2006/main">
+  <p:cSld>
+    <p:spTree>
+      <p:nvGrpSpPr>
+        <p:cNvPr id="1" name=""/>
+        <p:cNvGrpSpPr/>
+        <p:nvPr/>
+      </p:nvGrpSpPr>
+      <p:grpSpPr>
+        <a:xfrm>
+          <a:off x="0" y="0"/>
+          <a:ext cx="0" cy="0"/>
+          <a:chOff x="0" y="0"/>
+          <a:chExt cx="0" cy="0"/>
+        </a:xfrm>
+      </p:grpSpPr>
+    </p:spTree>
+    <p:extLst>
+      <p:ext uri="{BB962C8B-B14F-4D97-AF65-F5344CB8AC3E}">
+        <p14:creationId xmlns:p14="http://schemas.microsoft.com/office/powerpoint/2010/main" val="4003527513"/>
       </p:ext>
     </p:extLst>
   </p:cSld>
